--- a/CODE AND CRUNCH.pptx
+++ b/CODE AND CRUNCH.pptx
@@ -265,15 +265,6 @@
     </p:ext>
   </p:extLst>
 </p:presentation>
-</file>
-
-<file path=ppt/revisionInfo.xml><?xml version="1.0" encoding="utf-8"?>
-<p1510:revInfo xmlns:a="http://schemas.openxmlformats.org/drawingml/2006/main" xmlns:r="http://schemas.openxmlformats.org/officeDocument/2006/relationships" xmlns:p1510="http://schemas.microsoft.com/office/powerpoint/2015/10/main">
-  <p1510:revLst>
-    <p1510:client id="{87F9F516-CD00-EE14-7E01-5C5FDE158EC8}" v="14" dt="2025-02-27T06:06:47.830"/>
-    <p1510:client id="{BC22C313-FB09-F689-C3E6-C21F13097468}" v="8" dt="2025-02-28T03:56:21.853"/>
-  </p1510:revLst>
-</p1510:revInfo>
 </file>
 
 <file path=ppt/notesMasters/notesMaster1.xml><?xml version="1.0" encoding="utf-8"?>
@@ -2836,7 +2827,7 @@
           <a:p>
             <a:r>
               <a:rPr lang="en-US" dirty="0"/>
-              <a:t>Team Name</a:t>
+              <a:t>CODE &amp; CRUNCH</a:t>
             </a:r>
             <a:endParaRPr dirty="0"/>
           </a:p>
@@ -3501,7 +3492,12 @@
             <p:ph type="title"/>
           </p:nvPr>
         </p:nvSpPr>
-        <p:spPr/>
+        <p:spPr>
+          <a:xfrm>
+            <a:off x="3937067" y="410092"/>
+            <a:ext cx="4818239" cy="464949"/>
+          </a:xfrm>
+        </p:spPr>
         <p:txBody>
           <a:bodyPr>
             <a:noAutofit/>
@@ -3532,21 +3528,26 @@
             <p:ph type="body" idx="1"/>
           </p:nvPr>
         </p:nvSpPr>
-        <p:spPr/>
+        <p:spPr>
+          <a:xfrm>
+            <a:off x="311700" y="1152475"/>
+            <a:ext cx="4462774" cy="3416400"/>
+          </a:xfrm>
+        </p:spPr>
         <p:txBody>
           <a:bodyPr>
-            <a:normAutofit fontScale="55000" lnSpcReduction="20000"/>
+            <a:normAutofit fontScale="25000" lnSpcReduction="20000"/>
           </a:bodyPr>
           <a:lstStyle/>
           <a:p>
-            <a:endParaRPr lang="en-US" dirty="0"/>
+            <a:endParaRPr lang="en-US" sz="5600" dirty="0"/>
           </a:p>
           <a:p>
             <a:pPr>
               <a:buNone/>
             </a:pPr>
             <a:r>
-              <a:rPr lang="en-US" b="1" dirty="0"/>
+              <a:rPr lang="en-US" sz="5600" b="1" dirty="0"/>
               <a:t>Assumptions Made:</a:t>
             </a:r>
           </a:p>
@@ -3556,10 +3557,10 @@
               <a:buChar char="•"/>
             </a:pPr>
             <a:r>
-              <a:rPr lang="en-US" b="1" dirty="0"/>
+              <a:rPr lang="en-US" sz="5600" b="1" dirty="0"/>
               <a:t>Churn rate can be reduced by 14.5% with strategic interventions</a:t>
             </a:r>
-            <a:endParaRPr lang="en-US" dirty="0"/>
+            <a:endParaRPr lang="en-US" sz="5600" dirty="0"/>
           </a:p>
           <a:p>
             <a:pPr>
@@ -3567,10 +3568,10 @@
               <a:buChar char="•"/>
             </a:pPr>
             <a:r>
-              <a:rPr lang="en-US" b="1" dirty="0"/>
+              <a:rPr lang="en-US" sz="5600" b="1" dirty="0"/>
               <a:t>Retailers &amp; AI-driven behavioral analytics will improve data accuracy from 23% to 55%</a:t>
             </a:r>
-            <a:endParaRPr lang="en-US" dirty="0"/>
+            <a:endParaRPr lang="en-US" sz="5600" dirty="0"/>
           </a:p>
           <a:p>
             <a:pPr>
@@ -3578,7 +3579,7 @@
               <a:buChar char="•"/>
             </a:pPr>
             <a:r>
-              <a:rPr lang="en-US" b="1" dirty="0"/>
+              <a:rPr lang="en-US" sz="5600" b="1" dirty="0"/>
               <a:t>Network investments must be prioritized for long-term retention impact</a:t>
             </a:r>
           </a:p>
@@ -3587,14 +3588,14 @@
               <a:buFont typeface="Arial" panose="020B0604020202020204" pitchFamily="34" charset="0"/>
               <a:buChar char="•"/>
             </a:pPr>
-            <a:endParaRPr lang="en-US" dirty="0"/>
+            <a:endParaRPr lang="en-US" sz="5600" dirty="0"/>
           </a:p>
           <a:p>
             <a:pPr>
               <a:buNone/>
             </a:pPr>
             <a:r>
-              <a:rPr lang="en-US" b="1" dirty="0"/>
+              <a:rPr lang="en-US" sz="5600" b="1" dirty="0"/>
               <a:t>Root Cause Analysis (RCA) Framework Used:</a:t>
             </a:r>
           </a:p>
@@ -3604,11 +3605,11 @@
               <a:buChar char="•"/>
             </a:pPr>
             <a:r>
-              <a:rPr lang="en-US" b="1" dirty="0"/>
+              <a:rPr lang="en-US" sz="5600" b="1" dirty="0"/>
               <a:t>Customer Cohort Analysis</a:t>
             </a:r>
             <a:r>
-              <a:rPr lang="en-US" dirty="0"/>
+              <a:rPr lang="en-US" sz="5600" dirty="0"/>
               <a:t> → Identified churn patterns across different user segments</a:t>
             </a:r>
           </a:p>
@@ -3618,18 +3619,18 @@
               <a:buChar char="•"/>
             </a:pPr>
             <a:r>
-              <a:rPr lang="en-US" b="1" dirty="0"/>
+              <a:rPr lang="en-US" sz="5600" b="1" dirty="0"/>
               <a:t>Predictive Analytics with AI</a:t>
             </a:r>
             <a:r>
-              <a:rPr lang="en-US" dirty="0"/>
+              <a:rPr lang="en-US" sz="5600" dirty="0"/>
               <a:t> → Churn likelihood prediction using </a:t>
             </a:r>
             <a:r>
-              <a:rPr lang="en-US" b="1" dirty="0"/>
+              <a:rPr lang="en-US" sz="5600" b="1" dirty="0"/>
               <a:t>real-time behavioral triggers</a:t>
             </a:r>
-            <a:endParaRPr lang="en-US" dirty="0"/>
+            <a:endParaRPr lang="en-US" sz="5600" dirty="0"/>
           </a:p>
           <a:p>
             <a:pPr>
@@ -3637,19 +3638,19 @@
               <a:buChar char="•"/>
             </a:pPr>
             <a:r>
-              <a:rPr lang="en-US" b="1" dirty="0"/>
+              <a:rPr lang="en-US" sz="5600" b="1" dirty="0"/>
               <a:t>Market Sentiment Analysis</a:t>
             </a:r>
             <a:r>
-              <a:rPr lang="en-US" dirty="0"/>
+              <a:rPr lang="en-US" sz="5600" dirty="0"/>
               <a:t> → Identified gaps in advertisement effectiveness</a:t>
             </a:r>
           </a:p>
           <a:p>
-            <a:endParaRPr lang="en-US" dirty="0"/>
-          </a:p>
-          <a:p>
-            <a:endParaRPr lang="en-US" dirty="0"/>
+            <a:endParaRPr lang="en-US" sz="5600" dirty="0"/>
+          </a:p>
+          <a:p>
+            <a:endParaRPr lang="en-US" sz="3500" dirty="0"/>
           </a:p>
           <a:p>
             <a:endParaRPr lang="en-US" dirty="0"/>
@@ -3690,6 +3691,101 @@
           </a:p>
           <a:p>
             <a:endParaRPr lang="en-IN" dirty="0"/>
+          </a:p>
+        </p:txBody>
+      </p:sp>
+      <p:pic>
+        <p:nvPicPr>
+          <p:cNvPr id="5" name="Picture 4">
+            <a:extLst>
+              <a:ext uri="{FF2B5EF4-FFF2-40B4-BE49-F238E27FC236}">
+                <a16:creationId xmlns:a16="http://schemas.microsoft.com/office/drawing/2014/main" id="{2016C21D-3C09-7F40-6081-4C1F67326246}"/>
+              </a:ext>
+            </a:extLst>
+          </p:cNvPr>
+          <p:cNvPicPr>
+            <a:picLocks noChangeAspect="1"/>
+          </p:cNvPicPr>
+          <p:nvPr/>
+        </p:nvPicPr>
+        <p:blipFill>
+          <a:blip r:embed="rId2"/>
+          <a:stretch>
+            <a:fillRect/>
+          </a:stretch>
+        </p:blipFill>
+        <p:spPr>
+          <a:xfrm>
+            <a:off x="4810399" y="851078"/>
+            <a:ext cx="3729446" cy="1882459"/>
+          </a:xfrm>
+          <a:prstGeom prst="rect">
+            <a:avLst/>
+          </a:prstGeom>
+        </p:spPr>
+      </p:pic>
+      <p:pic>
+        <p:nvPicPr>
+          <p:cNvPr id="8" name="Picture 7">
+            <a:extLst>
+              <a:ext uri="{FF2B5EF4-FFF2-40B4-BE49-F238E27FC236}">
+                <a16:creationId xmlns:a16="http://schemas.microsoft.com/office/drawing/2014/main" id="{A95A1506-B2EA-44D3-18B3-394B37C32218}"/>
+              </a:ext>
+            </a:extLst>
+          </p:cNvPr>
+          <p:cNvPicPr>
+            <a:picLocks noChangeAspect="1"/>
+          </p:cNvPicPr>
+          <p:nvPr/>
+        </p:nvPicPr>
+        <p:blipFill>
+          <a:blip r:embed="rId3"/>
+          <a:stretch>
+            <a:fillRect/>
+          </a:stretch>
+        </p:blipFill>
+        <p:spPr>
+          <a:xfrm>
+            <a:off x="5055756" y="2860675"/>
+            <a:ext cx="3448165" cy="2125980"/>
+          </a:xfrm>
+          <a:prstGeom prst="rect">
+            <a:avLst/>
+          </a:prstGeom>
+        </p:spPr>
+      </p:pic>
+      <p:sp>
+        <p:nvSpPr>
+          <p:cNvPr id="9" name="TextBox 8">
+            <a:extLst>
+              <a:ext uri="{FF2B5EF4-FFF2-40B4-BE49-F238E27FC236}">
+                <a16:creationId xmlns:a16="http://schemas.microsoft.com/office/drawing/2014/main" id="{7CAB64DF-556B-9719-76B0-F6A514B4B428}"/>
+              </a:ext>
+            </a:extLst>
+          </p:cNvPr>
+          <p:cNvSpPr txBox="1"/>
+          <p:nvPr/>
+        </p:nvSpPr>
+        <p:spPr>
+          <a:xfrm>
+            <a:off x="6027580" y="2622575"/>
+            <a:ext cx="1746664" cy="307777"/>
+          </a:xfrm>
+          <a:prstGeom prst="rect">
+            <a:avLst/>
+          </a:prstGeom>
+          <a:noFill/>
+        </p:spPr>
+        <p:txBody>
+          <a:bodyPr wrap="square" rtlCol="0">
+            <a:spAutoFit/>
+          </a:bodyPr>
+          <a:lstStyle/>
+          <a:p>
+            <a:r>
+              <a:rPr lang="en-IN" dirty="0"/>
+              <a:t>Area Inferencing</a:t>
+            </a:r>
           </a:p>
         </p:txBody>
       </p:sp>
@@ -3968,7 +4064,7 @@
         </p:blipFill>
         <p:spPr>
           <a:xfrm>
-            <a:off x="5006818" y="1391193"/>
+            <a:off x="4946820" y="1253859"/>
             <a:ext cx="3885479" cy="1805619"/>
           </a:xfrm>
           <a:prstGeom prst="rect">
@@ -3976,6 +4072,41 @@
           </a:prstGeom>
         </p:spPr>
       </p:pic>
+      <p:sp>
+        <p:nvSpPr>
+          <p:cNvPr id="7" name="TextBox 6">
+            <a:extLst>
+              <a:ext uri="{FF2B5EF4-FFF2-40B4-BE49-F238E27FC236}">
+                <a16:creationId xmlns:a16="http://schemas.microsoft.com/office/drawing/2014/main" id="{B3E5D6B6-36A8-0DF8-877D-347DAEECB0DB}"/>
+              </a:ext>
+            </a:extLst>
+          </p:cNvPr>
+          <p:cNvSpPr txBox="1"/>
+          <p:nvPr/>
+        </p:nvSpPr>
+        <p:spPr>
+          <a:xfrm>
+            <a:off x="4752388" y="3206195"/>
+            <a:ext cx="4274341" cy="784830"/>
+          </a:xfrm>
+          <a:prstGeom prst="rect">
+            <a:avLst/>
+          </a:prstGeom>
+          <a:noFill/>
+        </p:spPr>
+        <p:txBody>
+          <a:bodyPr wrap="square">
+            <a:spAutoFit/>
+          </a:bodyPr>
+          <a:lstStyle/>
+          <a:p>
+            <a:r>
+              <a:rPr lang="en-IN" sz="900" dirty="0"/>
+              <a:t>1. Maximum Churning in the day and evening Many users making frequent calls during the day could be professionals or businesses. If they experience poor service (e.g., dropped calls, bad network quality, or high costs), they may switch providers.2. night users might be more casual callers who are less affected by service quality issues.</a:t>
+            </a:r>
+          </a:p>
+        </p:txBody>
+      </p:sp>
     </p:spTree>
     <p:extLst>
       <p:ext uri="{BB962C8B-B14F-4D97-AF65-F5344CB8AC3E}">
@@ -4557,7 +4688,7 @@
           <a:p>
             <a:r>
               <a:rPr lang="en-US" dirty="0"/>
-              <a:t>Thank You</a:t>
+              <a:t>CODE &amp; CRUNCH</a:t>
             </a:r>
             <a:endParaRPr dirty="0"/>
           </a:p>
@@ -4732,7 +4863,7 @@
             </a:pPr>
             <a:r>
               <a:rPr lang="en-US" sz="2400" b="1" dirty="0"/>
-              <a:t>Team Name </a:t>
+              <a:t>Thank you.</a:t>
             </a:r>
             <a:endParaRPr sz="2400" b="1" dirty="0"/>
           </a:p>
